--- a/Fig/全健康指数总体排名.pptx
+++ b/Fig/全健康指数总体排名.pptx
@@ -5,11 +5,13 @@
     <p:sldMasterId id="2147483672" r:id="rId1"/>
   </p:sldMasterIdLst>
   <p:notesMasterIdLst>
-    <p:notesMasterId r:id="rId4"/>
+    <p:notesMasterId r:id="rId6"/>
   </p:notesMasterIdLst>
   <p:sldIdLst>
-    <p:sldId id="260" r:id="rId2"/>
-    <p:sldId id="258" r:id="rId3"/>
+    <p:sldId id="261" r:id="rId2"/>
+    <p:sldId id="262" r:id="rId3"/>
+    <p:sldId id="260" r:id="rId4"/>
+    <p:sldId id="258" r:id="rId5"/>
   </p:sldIdLst>
   <p:sldSz cx="6858000" cy="9906000" type="A4"/>
   <p:notesSz cx="6858000" cy="9144000"/>
@@ -533,7 +535,7 @@
           <a:p>
             <a:fld id="{F002E4A4-CEC1-5944-880C-ED72BF0AEDEB}" type="slidenum">
               <a:rPr kumimoji="1" lang="zh-CN" altLang="en-US" smtClean="0"/>
-              <a:t>2</a:t>
+              <a:t>4</a:t>
             </a:fld>
             <a:endParaRPr kumimoji="1" lang="zh-CN" altLang="en-US"/>
           </a:p>
@@ -3413,6 +3415,527 @@
       </p:grpSpPr>
       <p:pic>
         <p:nvPicPr>
+          <p:cNvPr id="5" name="图片 4" descr="图表, 旭日形&#10;&#10;描述已自动生成">
+            <a:extLst>
+              <a:ext uri="{FF2B5EF4-FFF2-40B4-BE49-F238E27FC236}">
+                <a16:creationId xmlns:a16="http://schemas.microsoft.com/office/drawing/2014/main" id="{1472C5F7-E100-854D-B0D6-4889A6BCD953}"/>
+              </a:ext>
+            </a:extLst>
+          </p:cNvPr>
+          <p:cNvPicPr>
+            <a:picLocks noChangeAspect="1"/>
+          </p:cNvPicPr>
+          <p:nvPr/>
+        </p:nvPicPr>
+        <p:blipFill>
+          <a:blip r:embed="rId2"/>
+          <a:stretch>
+            <a:fillRect/>
+          </a:stretch>
+        </p:blipFill>
+        <p:spPr>
+          <a:xfrm>
+            <a:off x="0" y="1724396"/>
+            <a:ext cx="6858000" cy="6457208"/>
+          </a:xfrm>
+          <a:prstGeom prst="rect">
+            <a:avLst/>
+          </a:prstGeom>
+        </p:spPr>
+      </p:pic>
+      <p:sp>
+        <p:nvSpPr>
+          <p:cNvPr id="6" name="文本框 5">
+            <a:extLst>
+              <a:ext uri="{FF2B5EF4-FFF2-40B4-BE49-F238E27FC236}">
+                <a16:creationId xmlns:a16="http://schemas.microsoft.com/office/drawing/2014/main" id="{929B874E-ECD2-E74C-A82E-3543A6EE8CA6}"/>
+              </a:ext>
+            </a:extLst>
+          </p:cNvPr>
+          <p:cNvSpPr txBox="1"/>
+          <p:nvPr/>
+        </p:nvSpPr>
+        <p:spPr>
+          <a:xfrm>
+            <a:off x="2394101" y="5098535"/>
+            <a:ext cx="2069797" cy="369332"/>
+          </a:xfrm>
+          <a:prstGeom prst="rect">
+            <a:avLst/>
+          </a:prstGeom>
+          <a:noFill/>
+        </p:spPr>
+        <p:txBody>
+          <a:bodyPr wrap="none" rtlCol="0">
+            <a:spAutoFit/>
+          </a:bodyPr>
+          <a:lstStyle/>
+          <a:p>
+            <a:r>
+              <a:rPr kumimoji="1" lang="en-US" altLang="zh-CN" b="1" dirty="0">
+                <a:latin typeface="Arial" panose="020B0604020202020204" pitchFamily="34" charset="0"/>
+                <a:cs typeface="Arial" panose="020B0604020202020204" pitchFamily="34" charset="0"/>
+              </a:rPr>
+              <a:t>One Health Index</a:t>
+            </a:r>
+            <a:endParaRPr kumimoji="1" lang="zh-CN" altLang="en-US" b="1" dirty="0">
+              <a:latin typeface="Arial" panose="020B0604020202020204" pitchFamily="34" charset="0"/>
+              <a:cs typeface="Arial" panose="020B0604020202020204" pitchFamily="34" charset="0"/>
+            </a:endParaRPr>
+          </a:p>
+        </p:txBody>
+      </p:sp>
+      <p:sp>
+        <p:nvSpPr>
+          <p:cNvPr id="7" name="文本框 6">
+            <a:extLst>
+              <a:ext uri="{FF2B5EF4-FFF2-40B4-BE49-F238E27FC236}">
+                <a16:creationId xmlns:a16="http://schemas.microsoft.com/office/drawing/2014/main" id="{0109495F-0CC1-8F49-AA97-01E162C79744}"/>
+              </a:ext>
+            </a:extLst>
+          </p:cNvPr>
+          <p:cNvSpPr txBox="1"/>
+          <p:nvPr/>
+        </p:nvSpPr>
+        <p:spPr>
+          <a:xfrm>
+            <a:off x="2295913" y="4213162"/>
+            <a:ext cx="2305439" cy="1107996"/>
+          </a:xfrm>
+          <a:prstGeom prst="rect">
+            <a:avLst/>
+          </a:prstGeom>
+          <a:noFill/>
+        </p:spPr>
+        <p:txBody>
+          <a:bodyPr wrap="none" rtlCol="0">
+            <a:spAutoFit/>
+          </a:bodyPr>
+          <a:lstStyle/>
+          <a:p>
+            <a:r>
+              <a:rPr kumimoji="1" lang="en-US" altLang="zh-CN" sz="6600" dirty="0">
+                <a:latin typeface="Arial" panose="020B0604020202020204" pitchFamily="34" charset="0"/>
+                <a:cs typeface="Arial" panose="020B0604020202020204" pitchFamily="34" charset="0"/>
+              </a:rPr>
+              <a:t>46.57</a:t>
+            </a:r>
+            <a:endParaRPr kumimoji="1" lang="zh-CN" altLang="en-US" sz="6600" dirty="0">
+              <a:latin typeface="Arial" panose="020B0604020202020204" pitchFamily="34" charset="0"/>
+              <a:cs typeface="Arial" panose="020B0604020202020204" pitchFamily="34" charset="0"/>
+            </a:endParaRPr>
+          </a:p>
+        </p:txBody>
+      </p:sp>
+      <p:sp>
+        <p:nvSpPr>
+          <p:cNvPr id="8" name="矩形 7">
+            <a:extLst>
+              <a:ext uri="{FF2B5EF4-FFF2-40B4-BE49-F238E27FC236}">
+                <a16:creationId xmlns:a16="http://schemas.microsoft.com/office/drawing/2014/main" id="{1CDA75BB-8A10-EE43-BCA3-6B8DADDE5E42}"/>
+              </a:ext>
+            </a:extLst>
+          </p:cNvPr>
+          <p:cNvSpPr/>
+          <p:nvPr/>
+        </p:nvSpPr>
+        <p:spPr>
+          <a:xfrm rot="1840880">
+            <a:off x="1669462" y="7089738"/>
+            <a:ext cx="697627" cy="461665"/>
+          </a:xfrm>
+          <a:prstGeom prst="rect">
+            <a:avLst/>
+          </a:prstGeom>
+        </p:spPr>
+        <p:txBody>
+          <a:bodyPr wrap="none">
+            <a:spAutoFit/>
+          </a:bodyPr>
+          <a:lstStyle/>
+          <a:p>
+            <a:r>
+              <a:rPr lang="zh-CN" altLang="en-US" sz="2400" b="1" dirty="0">
+                <a:latin typeface="Arial" panose="020B0604020202020204" pitchFamily="34" charset="0"/>
+                <a:cs typeface="Arial" panose="020B0604020202020204" pitchFamily="34" charset="0"/>
+              </a:rPr>
+              <a:t>EDI</a:t>
+            </a:r>
+          </a:p>
+        </p:txBody>
+      </p:sp>
+      <p:sp>
+        <p:nvSpPr>
+          <p:cNvPr id="9" name="矩形 8">
+            <a:extLst>
+              <a:ext uri="{FF2B5EF4-FFF2-40B4-BE49-F238E27FC236}">
+                <a16:creationId xmlns:a16="http://schemas.microsoft.com/office/drawing/2014/main" id="{05FD8A04-27C0-D343-A8EE-28E1280CA769}"/>
+              </a:ext>
+            </a:extLst>
+          </p:cNvPr>
+          <p:cNvSpPr/>
+          <p:nvPr/>
+        </p:nvSpPr>
+        <p:spPr>
+          <a:xfrm rot="19586368" flipH="1">
+            <a:off x="951672" y="2114467"/>
+            <a:ext cx="659415" cy="461665"/>
+          </a:xfrm>
+          <a:prstGeom prst="rect">
+            <a:avLst/>
+          </a:prstGeom>
+        </p:spPr>
+        <p:txBody>
+          <a:bodyPr wrap="square">
+            <a:spAutoFit/>
+          </a:bodyPr>
+          <a:lstStyle/>
+          <a:p>
+            <a:pPr algn="ctr"/>
+            <a:r>
+              <a:rPr lang="zh-CN" altLang="en-US" sz="2400" b="1" dirty="0">
+                <a:latin typeface="Arial" panose="020B0604020202020204" pitchFamily="34" charset="0"/>
+                <a:cs typeface="Arial" panose="020B0604020202020204" pitchFamily="34" charset="0"/>
+              </a:rPr>
+              <a:t>IDI</a:t>
+            </a:r>
+          </a:p>
+        </p:txBody>
+      </p:sp>
+      <p:sp>
+        <p:nvSpPr>
+          <p:cNvPr id="10" name="矩形 9">
+            <a:extLst>
+              <a:ext uri="{FF2B5EF4-FFF2-40B4-BE49-F238E27FC236}">
+                <a16:creationId xmlns:a16="http://schemas.microsoft.com/office/drawing/2014/main" id="{A2B2522B-6502-954F-AA0A-BF01A0A307E8}"/>
+              </a:ext>
+            </a:extLst>
+          </p:cNvPr>
+          <p:cNvSpPr/>
+          <p:nvPr/>
+        </p:nvSpPr>
+        <p:spPr>
+          <a:xfrm rot="4721185">
+            <a:off x="6066132" y="3982329"/>
+            <a:ext cx="715260" cy="461665"/>
+          </a:xfrm>
+          <a:prstGeom prst="rect">
+            <a:avLst/>
+          </a:prstGeom>
+        </p:spPr>
+        <p:txBody>
+          <a:bodyPr wrap="none">
+            <a:spAutoFit/>
+          </a:bodyPr>
+          <a:lstStyle/>
+          <a:p>
+            <a:r>
+              <a:rPr lang="en-US" altLang="zh-CN" sz="2400" b="1" dirty="0">
+                <a:latin typeface="Arial" panose="020B0604020202020204" pitchFamily="34" charset="0"/>
+                <a:cs typeface="Arial" panose="020B0604020202020204" pitchFamily="34" charset="0"/>
+              </a:rPr>
+              <a:t>CDI</a:t>
+            </a:r>
+            <a:endParaRPr lang="zh-CN" altLang="en-US" sz="2400" b="1" dirty="0">
+              <a:latin typeface="Arial" panose="020B0604020202020204" pitchFamily="34" charset="0"/>
+              <a:cs typeface="Arial" panose="020B0604020202020204" pitchFamily="34" charset="0"/>
+            </a:endParaRPr>
+          </a:p>
+        </p:txBody>
+      </p:sp>
+    </p:spTree>
+    <p:extLst>
+      <p:ext uri="{BB962C8B-B14F-4D97-AF65-F5344CB8AC3E}">
+        <p14:creationId xmlns:p14="http://schemas.microsoft.com/office/powerpoint/2010/main" val="1708718829"/>
+      </p:ext>
+    </p:extLst>
+  </p:cSld>
+  <p:clrMapOvr>
+    <a:masterClrMapping/>
+  </p:clrMapOvr>
+</p:sld>
+</file>
+
+<file path=ppt/slides/slide2.xml><?xml version="1.0" encoding="utf-8"?>
+<p:sld xmlns:a="http://schemas.openxmlformats.org/drawingml/2006/main" xmlns:r="http://schemas.openxmlformats.org/officeDocument/2006/relationships" xmlns:p="http://schemas.openxmlformats.org/presentationml/2006/main">
+  <p:cSld>
+    <p:spTree>
+      <p:nvGrpSpPr>
+        <p:cNvPr id="1" name=""/>
+        <p:cNvGrpSpPr/>
+        <p:nvPr/>
+      </p:nvGrpSpPr>
+      <p:grpSpPr>
+        <a:xfrm>
+          <a:off x="0" y="0"/>
+          <a:ext cx="0" cy="0"/>
+          <a:chOff x="0" y="0"/>
+          <a:chExt cx="0" cy="0"/>
+        </a:xfrm>
+      </p:grpSpPr>
+      <p:pic>
+        <p:nvPicPr>
+          <p:cNvPr id="4" name="图片 3">
+            <a:extLst>
+              <a:ext uri="{FF2B5EF4-FFF2-40B4-BE49-F238E27FC236}">
+                <a16:creationId xmlns:a16="http://schemas.microsoft.com/office/drawing/2014/main" id="{96AD42E2-C330-E143-8E00-37849F63DC82}"/>
+              </a:ext>
+            </a:extLst>
+          </p:cNvPr>
+          <p:cNvPicPr>
+            <a:picLocks noChangeAspect="1"/>
+          </p:cNvPicPr>
+          <p:nvPr/>
+        </p:nvPicPr>
+        <p:blipFill>
+          <a:blip r:embed="rId2"/>
+          <a:stretch>
+            <a:fillRect/>
+          </a:stretch>
+        </p:blipFill>
+        <p:spPr>
+          <a:xfrm>
+            <a:off x="0" y="1745798"/>
+            <a:ext cx="6858000" cy="6414404"/>
+          </a:xfrm>
+          <a:prstGeom prst="rect">
+            <a:avLst/>
+          </a:prstGeom>
+        </p:spPr>
+      </p:pic>
+      <p:sp>
+        <p:nvSpPr>
+          <p:cNvPr id="5" name="矩形 4">
+            <a:extLst>
+              <a:ext uri="{FF2B5EF4-FFF2-40B4-BE49-F238E27FC236}">
+                <a16:creationId xmlns:a16="http://schemas.microsoft.com/office/drawing/2014/main" id="{34B580B0-2549-8045-9442-33868752EF61}"/>
+              </a:ext>
+            </a:extLst>
+          </p:cNvPr>
+          <p:cNvSpPr/>
+          <p:nvPr/>
+        </p:nvSpPr>
+        <p:spPr>
+          <a:xfrm rot="1840880">
+            <a:off x="2202868" y="5735852"/>
+            <a:ext cx="1315841" cy="461665"/>
+          </a:xfrm>
+          <a:prstGeom prst="rect">
+            <a:avLst/>
+          </a:prstGeom>
+        </p:spPr>
+        <p:txBody>
+          <a:bodyPr wrap="square">
+            <a:spAutoFit/>
+          </a:bodyPr>
+          <a:lstStyle/>
+          <a:p>
+            <a:pPr algn="ctr"/>
+            <a:r>
+              <a:rPr lang="zh-CN" altLang="en-US" sz="2400" b="1" dirty="0">
+                <a:latin typeface="Arial" panose="020B0604020202020204" pitchFamily="34" charset="0"/>
+                <a:cs typeface="Arial" panose="020B0604020202020204" pitchFamily="34" charset="0"/>
+              </a:rPr>
+              <a:t>EDI</a:t>
+            </a:r>
+          </a:p>
+        </p:txBody>
+      </p:sp>
+      <p:sp>
+        <p:nvSpPr>
+          <p:cNvPr id="6" name="矩形 5">
+            <a:extLst>
+              <a:ext uri="{FF2B5EF4-FFF2-40B4-BE49-F238E27FC236}">
+                <a16:creationId xmlns:a16="http://schemas.microsoft.com/office/drawing/2014/main" id="{A1A35552-3A8C-DD42-8127-27710B8BC51B}"/>
+              </a:ext>
+            </a:extLst>
+          </p:cNvPr>
+          <p:cNvSpPr/>
+          <p:nvPr/>
+        </p:nvSpPr>
+        <p:spPr>
+          <a:xfrm rot="19038939" flipH="1">
+            <a:off x="2265689" y="3892525"/>
+            <a:ext cx="869409" cy="461665"/>
+          </a:xfrm>
+          <a:prstGeom prst="rect">
+            <a:avLst/>
+          </a:prstGeom>
+        </p:spPr>
+        <p:txBody>
+          <a:bodyPr wrap="square">
+            <a:spAutoFit/>
+          </a:bodyPr>
+          <a:lstStyle/>
+          <a:p>
+            <a:pPr algn="ctr"/>
+            <a:r>
+              <a:rPr lang="zh-CN" altLang="en-US" sz="2400" b="1" dirty="0">
+                <a:latin typeface="Arial" panose="020B0604020202020204" pitchFamily="34" charset="0"/>
+                <a:cs typeface="Arial" panose="020B0604020202020204" pitchFamily="34" charset="0"/>
+              </a:rPr>
+              <a:t>IDI</a:t>
+            </a:r>
+          </a:p>
+        </p:txBody>
+      </p:sp>
+      <p:sp>
+        <p:nvSpPr>
+          <p:cNvPr id="7" name="矩形 6">
+            <a:extLst>
+              <a:ext uri="{FF2B5EF4-FFF2-40B4-BE49-F238E27FC236}">
+                <a16:creationId xmlns:a16="http://schemas.microsoft.com/office/drawing/2014/main" id="{E313B990-E069-7E4A-A976-75B35F769926}"/>
+              </a:ext>
+            </a:extLst>
+          </p:cNvPr>
+          <p:cNvSpPr/>
+          <p:nvPr/>
+        </p:nvSpPr>
+        <p:spPr>
+          <a:xfrm rot="4721185">
+            <a:off x="4183544" y="4573999"/>
+            <a:ext cx="715260" cy="461665"/>
+          </a:xfrm>
+          <a:prstGeom prst="rect">
+            <a:avLst/>
+          </a:prstGeom>
+        </p:spPr>
+        <p:txBody>
+          <a:bodyPr wrap="none">
+            <a:spAutoFit/>
+          </a:bodyPr>
+          <a:lstStyle/>
+          <a:p>
+            <a:r>
+              <a:rPr lang="en-US" altLang="zh-CN" sz="2400" b="1" dirty="0">
+                <a:latin typeface="Arial" panose="020B0604020202020204" pitchFamily="34" charset="0"/>
+                <a:cs typeface="Arial" panose="020B0604020202020204" pitchFamily="34" charset="0"/>
+              </a:rPr>
+              <a:t>CDI</a:t>
+            </a:r>
+            <a:endParaRPr lang="zh-CN" altLang="en-US" sz="2400" b="1" dirty="0">
+              <a:latin typeface="Arial" panose="020B0604020202020204" pitchFamily="34" charset="0"/>
+              <a:cs typeface="Arial" panose="020B0604020202020204" pitchFamily="34" charset="0"/>
+            </a:endParaRPr>
+          </a:p>
+        </p:txBody>
+      </p:sp>
+      <p:sp>
+        <p:nvSpPr>
+          <p:cNvPr id="8" name="文本框 7">
+            <a:extLst>
+              <a:ext uri="{FF2B5EF4-FFF2-40B4-BE49-F238E27FC236}">
+                <a16:creationId xmlns:a16="http://schemas.microsoft.com/office/drawing/2014/main" id="{137032FE-3AE7-3F4A-9785-6CEA52B97EBE}"/>
+              </a:ext>
+            </a:extLst>
+          </p:cNvPr>
+          <p:cNvSpPr txBox="1"/>
+          <p:nvPr/>
+        </p:nvSpPr>
+        <p:spPr>
+          <a:xfrm>
+            <a:off x="2599665" y="5202767"/>
+            <a:ext cx="1645002" cy="307777"/>
+          </a:xfrm>
+          <a:prstGeom prst="rect">
+            <a:avLst/>
+          </a:prstGeom>
+          <a:noFill/>
+        </p:spPr>
+        <p:txBody>
+          <a:bodyPr wrap="none" rtlCol="0">
+            <a:spAutoFit/>
+          </a:bodyPr>
+          <a:lstStyle/>
+          <a:p>
+            <a:r>
+              <a:rPr kumimoji="1" lang="en-US" altLang="zh-CN" sz="1400" b="1" dirty="0">
+                <a:latin typeface="Arial" panose="020B0604020202020204" pitchFamily="34" charset="0"/>
+                <a:cs typeface="Arial" panose="020B0604020202020204" pitchFamily="34" charset="0"/>
+              </a:rPr>
+              <a:t>One Health Index</a:t>
+            </a:r>
+            <a:endParaRPr kumimoji="1" lang="zh-CN" altLang="en-US" sz="1400" b="1" dirty="0">
+              <a:latin typeface="Arial" panose="020B0604020202020204" pitchFamily="34" charset="0"/>
+              <a:cs typeface="Arial" panose="020B0604020202020204" pitchFamily="34" charset="0"/>
+            </a:endParaRPr>
+          </a:p>
+        </p:txBody>
+      </p:sp>
+      <p:sp>
+        <p:nvSpPr>
+          <p:cNvPr id="9" name="文本框 8">
+            <a:extLst>
+              <a:ext uri="{FF2B5EF4-FFF2-40B4-BE49-F238E27FC236}">
+                <a16:creationId xmlns:a16="http://schemas.microsoft.com/office/drawing/2014/main" id="{4468ED2C-1529-B44B-BE22-CA11568EF684}"/>
+              </a:ext>
+            </a:extLst>
+          </p:cNvPr>
+          <p:cNvSpPr txBox="1"/>
+          <p:nvPr/>
+        </p:nvSpPr>
+        <p:spPr>
+          <a:xfrm>
+            <a:off x="2471045" y="4408866"/>
+            <a:ext cx="1915909" cy="923330"/>
+          </a:xfrm>
+          <a:prstGeom prst="rect">
+            <a:avLst/>
+          </a:prstGeom>
+          <a:noFill/>
+        </p:spPr>
+        <p:txBody>
+          <a:bodyPr wrap="none" rtlCol="0">
+            <a:spAutoFit/>
+          </a:bodyPr>
+          <a:lstStyle/>
+          <a:p>
+            <a:r>
+              <a:rPr kumimoji="1" lang="en-US" altLang="zh-CN" sz="5400" b="1" dirty="0">
+                <a:latin typeface="Arial" panose="020B0604020202020204" pitchFamily="34" charset="0"/>
+                <a:cs typeface="Arial" panose="020B0604020202020204" pitchFamily="34" charset="0"/>
+              </a:rPr>
+              <a:t>46.57</a:t>
+            </a:r>
+            <a:endParaRPr kumimoji="1" lang="zh-CN" altLang="en-US" sz="5400" b="1" dirty="0">
+              <a:latin typeface="Arial" panose="020B0604020202020204" pitchFamily="34" charset="0"/>
+              <a:cs typeface="Arial" panose="020B0604020202020204" pitchFamily="34" charset="0"/>
+            </a:endParaRPr>
+          </a:p>
+        </p:txBody>
+      </p:sp>
+    </p:spTree>
+    <p:extLst>
+      <p:ext uri="{BB962C8B-B14F-4D97-AF65-F5344CB8AC3E}">
+        <p14:creationId xmlns:p14="http://schemas.microsoft.com/office/powerpoint/2010/main" val="170025478"/>
+      </p:ext>
+    </p:extLst>
+  </p:cSld>
+  <p:clrMapOvr>
+    <a:masterClrMapping/>
+  </p:clrMapOvr>
+</p:sld>
+</file>
+
+<file path=ppt/slides/slide3.xml><?xml version="1.0" encoding="utf-8"?>
+<p:sld xmlns:a="http://schemas.openxmlformats.org/drawingml/2006/main" xmlns:r="http://schemas.openxmlformats.org/officeDocument/2006/relationships" xmlns:p="http://schemas.openxmlformats.org/presentationml/2006/main">
+  <p:cSld>
+    <p:spTree>
+      <p:nvGrpSpPr>
+        <p:cNvPr id="1" name=""/>
+        <p:cNvGrpSpPr/>
+        <p:nvPr/>
+      </p:nvGrpSpPr>
+      <p:grpSpPr>
+        <a:xfrm>
+          <a:off x="0" y="0"/>
+          <a:ext cx="0" cy="0"/>
+          <a:chOff x="0" y="0"/>
+          <a:chExt cx="0" cy="0"/>
+        </a:xfrm>
+      </p:grpSpPr>
+      <p:pic>
+        <p:nvPicPr>
           <p:cNvPr id="3" name="图片 2" descr="图表, 旭日形&#10;&#10;描述已自动生成">
             <a:extLst>
               <a:ext uri="{FF2B5EF4-FFF2-40B4-BE49-F238E27FC236}">
@@ -3780,7 +4303,7 @@
 </p:sld>
 </file>
 
-<file path=ppt/slides/slide2.xml><?xml version="1.0" encoding="utf-8"?>
+<file path=ppt/slides/slide4.xml><?xml version="1.0" encoding="utf-8"?>
 <p:sld xmlns:a="http://schemas.openxmlformats.org/drawingml/2006/main" xmlns:r="http://schemas.openxmlformats.org/officeDocument/2006/relationships" xmlns:p="http://schemas.openxmlformats.org/presentationml/2006/main">
   <p:cSld>
     <p:spTree>

--- a/Fig/全健康指数总体排名.pptx
+++ b/Fig/全健康指数总体排名.pptx
@@ -5,13 +5,14 @@
     <p:sldMasterId id="2147483672" r:id="rId1"/>
   </p:sldMasterIdLst>
   <p:notesMasterIdLst>
-    <p:notesMasterId r:id="rId6"/>
+    <p:notesMasterId r:id="rId7"/>
   </p:notesMasterIdLst>
   <p:sldIdLst>
     <p:sldId id="261" r:id="rId2"/>
-    <p:sldId id="262" r:id="rId3"/>
-    <p:sldId id="260" r:id="rId4"/>
-    <p:sldId id="258" r:id="rId5"/>
+    <p:sldId id="263" r:id="rId3"/>
+    <p:sldId id="262" r:id="rId4"/>
+    <p:sldId id="260" r:id="rId5"/>
+    <p:sldId id="258" r:id="rId6"/>
   </p:sldIdLst>
   <p:sldSz cx="6858000" cy="9906000" type="A4"/>
   <p:notesSz cx="6858000" cy="9144000"/>
@@ -535,7 +536,7 @@
           <a:p>
             <a:fld id="{F002E4A4-CEC1-5944-880C-ED72BF0AEDEB}" type="slidenum">
               <a:rPr kumimoji="1" lang="zh-CN" altLang="en-US" smtClean="0"/>
-              <a:t>4</a:t>
+              <a:t>5</a:t>
             </a:fld>
             <a:endParaRPr kumimoji="1" lang="zh-CN" altLang="en-US"/>
           </a:p>
@@ -3675,6 +3676,128 @@
       </p:grpSpPr>
       <p:pic>
         <p:nvPicPr>
+          <p:cNvPr id="9" name="图片 8">
+            <a:extLst>
+              <a:ext uri="{FF2B5EF4-FFF2-40B4-BE49-F238E27FC236}">
+                <a16:creationId xmlns:a16="http://schemas.microsoft.com/office/drawing/2014/main" id="{9A1D1227-6ED7-7943-BA68-958F2C20FB38}"/>
+              </a:ext>
+            </a:extLst>
+          </p:cNvPr>
+          <p:cNvPicPr>
+            <a:picLocks noChangeAspect="1"/>
+          </p:cNvPicPr>
+          <p:nvPr/>
+        </p:nvPicPr>
+        <p:blipFill>
+          <a:blip r:embed="rId2"/>
+          <a:stretch>
+            <a:fillRect/>
+          </a:stretch>
+        </p:blipFill>
+        <p:spPr>
+          <a:xfrm>
+            <a:off x="0" y="2766225"/>
+            <a:ext cx="6858000" cy="4373549"/>
+          </a:xfrm>
+          <a:prstGeom prst="rect">
+            <a:avLst/>
+          </a:prstGeom>
+        </p:spPr>
+      </p:pic>
+      <p:sp>
+        <p:nvSpPr>
+          <p:cNvPr id="4" name="矩形 3">
+            <a:extLst>
+              <a:ext uri="{FF2B5EF4-FFF2-40B4-BE49-F238E27FC236}">
+                <a16:creationId xmlns:a16="http://schemas.microsoft.com/office/drawing/2014/main" id="{53A8F718-C2DC-724E-AFD3-822C1EB9734A}"/>
+              </a:ext>
+            </a:extLst>
+          </p:cNvPr>
+          <p:cNvSpPr/>
+          <p:nvPr/>
+        </p:nvSpPr>
+        <p:spPr>
+          <a:xfrm>
+            <a:off x="333934" y="2980765"/>
+            <a:ext cx="6981265" cy="461665"/>
+          </a:xfrm>
+          <a:prstGeom prst="rect">
+            <a:avLst/>
+          </a:prstGeom>
+        </p:spPr>
+        <p:txBody>
+          <a:bodyPr wrap="square">
+            <a:spAutoFit/>
+          </a:bodyPr>
+          <a:lstStyle/>
+          <a:p>
+            <a:r>
+              <a:rPr lang="en-US" altLang="zh-CN" sz="800" dirty="0">
+                <a:latin typeface="Arial" panose="020B0604020202020204" pitchFamily="34" charset="0"/>
+                <a:cs typeface="Arial" panose="020B0604020202020204" pitchFamily="34" charset="0"/>
+              </a:rPr>
+              <a:t>T</a:t>
+            </a:r>
+            <a:r>
+              <a:rPr lang="zh-CN" altLang="en-US" sz="800" dirty="0">
+                <a:latin typeface="Arial" panose="020B0604020202020204" pitchFamily="34" charset="0"/>
+                <a:cs typeface="Arial" panose="020B0604020202020204" pitchFamily="34" charset="0"/>
+              </a:rPr>
+              <a:t>otal score = 188.91-5.03*life expectancy+0.042*(life expectancy)^2</a:t>
+            </a:r>
+          </a:p>
+          <a:p>
+            <a:r>
+              <a:rPr lang="zh-CN" altLang="en-US" sz="800" dirty="0">
+                <a:latin typeface="Arial" panose="020B0604020202020204" pitchFamily="34" charset="0"/>
+                <a:cs typeface="Arial" panose="020B0604020202020204" pitchFamily="34" charset="0"/>
+              </a:rPr>
+              <a:t>Adjusted R-squared:  0.7446</a:t>
+            </a:r>
+          </a:p>
+          <a:p>
+            <a:r>
+              <a:rPr lang="zh-CN" altLang="en-US" sz="800" dirty="0">
+                <a:latin typeface="Arial" panose="020B0604020202020204" pitchFamily="34" charset="0"/>
+                <a:cs typeface="Arial" panose="020B0604020202020204" pitchFamily="34" charset="0"/>
+              </a:rPr>
+              <a:t>p-value: &lt; 2.2e-16</a:t>
+            </a:r>
+          </a:p>
+        </p:txBody>
+      </p:sp>
+    </p:spTree>
+    <p:extLst>
+      <p:ext uri="{BB962C8B-B14F-4D97-AF65-F5344CB8AC3E}">
+        <p14:creationId xmlns:p14="http://schemas.microsoft.com/office/powerpoint/2010/main" val="3365371757"/>
+      </p:ext>
+    </p:extLst>
+  </p:cSld>
+  <p:clrMapOvr>
+    <a:masterClrMapping/>
+  </p:clrMapOvr>
+</p:sld>
+</file>
+
+<file path=ppt/slides/slide3.xml><?xml version="1.0" encoding="utf-8"?>
+<p:sld xmlns:a="http://schemas.openxmlformats.org/drawingml/2006/main" xmlns:r="http://schemas.openxmlformats.org/officeDocument/2006/relationships" xmlns:p="http://schemas.openxmlformats.org/presentationml/2006/main">
+  <p:cSld>
+    <p:spTree>
+      <p:nvGrpSpPr>
+        <p:cNvPr id="1" name=""/>
+        <p:cNvGrpSpPr/>
+        <p:nvPr/>
+      </p:nvGrpSpPr>
+      <p:grpSpPr>
+        <a:xfrm>
+          <a:off x="0" y="0"/>
+          <a:ext cx="0" cy="0"/>
+          <a:chOff x="0" y="0"/>
+          <a:chExt cx="0" cy="0"/>
+        </a:xfrm>
+      </p:grpSpPr>
+      <p:pic>
+        <p:nvPicPr>
           <p:cNvPr id="4" name="图片 3">
             <a:extLst>
               <a:ext uri="{FF2B5EF4-FFF2-40B4-BE49-F238E27FC236}">
@@ -3917,7 +4040,7 @@
 </p:sld>
 </file>
 
-<file path=ppt/slides/slide3.xml><?xml version="1.0" encoding="utf-8"?>
+<file path=ppt/slides/slide4.xml><?xml version="1.0" encoding="utf-8"?>
 <p:sld xmlns:a="http://schemas.openxmlformats.org/drawingml/2006/main" xmlns:r="http://schemas.openxmlformats.org/officeDocument/2006/relationships" xmlns:p="http://schemas.openxmlformats.org/presentationml/2006/main">
   <p:cSld>
     <p:spTree>
@@ -4303,7 +4426,7 @@
 </p:sld>
 </file>
 
-<file path=ppt/slides/slide4.xml><?xml version="1.0" encoding="utf-8"?>
+<file path=ppt/slides/slide5.xml><?xml version="1.0" encoding="utf-8"?>
 <p:sld xmlns:a="http://schemas.openxmlformats.org/drawingml/2006/main" xmlns:r="http://schemas.openxmlformats.org/officeDocument/2006/relationships" xmlns:p="http://schemas.openxmlformats.org/presentationml/2006/main">
   <p:cSld>
     <p:spTree>
